--- a/Presentation/Merlot Client Information System.pptx
+++ b/Presentation/Merlot Client Information System.pptx
@@ -206,7 +206,7 @@
           <a:p>
             <a:fld id="{328EC953-C310-4CBE-9A3C-455FA93F825E}" type="datetimeFigureOut">
               <a:rPr lang="en-ZA" smtClean="0"/>
-              <a:t>2019-04-04</a:t>
+              <a:t>2019/04/04</a:t>
             </a:fld>
             <a:endParaRPr lang="en-ZA"/>
           </a:p>
@@ -6697,7 +6697,7 @@
         <p:spPr/>
         <p:txBody>
           <a:bodyPr>
-            <a:normAutofit lnSpcReduction="10000"/>
+            <a:normAutofit/>
           </a:bodyPr>
           <a:lstStyle/>
           <a:p>
@@ -6710,6 +6710,34 @@
             <a:pPr marL="0" indent="0">
               <a:buNone/>
             </a:pPr>
+            <a:r>
+              <a:rPr lang="en-ZA" dirty="0"/>
+              <a:t>Reinhardt </a:t>
+            </a:r>
+            <a:r>
+              <a:rPr lang="en-ZA" dirty="0" err="1"/>
+              <a:t>Eiselen</a:t>
+            </a:r>
+            <a:r>
+              <a:rPr lang="en-ZA" dirty="0"/>
+              <a:t> (u14043302) – </a:t>
+            </a:r>
+            <a:r>
+              <a:rPr lang="en-ZA" dirty="0" smtClean="0"/>
+              <a:t>Code </a:t>
+            </a:r>
+            <a:r>
+              <a:rPr lang="en-ZA" dirty="0"/>
+              <a:t>modulation, Landing page, Unit Testing, Integration </a:t>
+            </a:r>
+            <a:r>
+              <a:rPr lang="en-ZA" dirty="0" smtClean="0"/>
+              <a:t>Testing, API </a:t>
+            </a:r>
+            <a:r>
+              <a:rPr lang="en-ZA" dirty="0" err="1" smtClean="0"/>
+              <a:t>Implenetation</a:t>
+            </a:r>
             <a:endParaRPr lang="en-ZA" dirty="0"/>
           </a:p>
           <a:p>
@@ -6726,7 +6754,7 @@
             </a:r>
             <a:r>
               <a:rPr lang="en-ZA" dirty="0" smtClean="0"/>
-              <a:t> (u11026953) – GitHub documentation, API services, Client tests</a:t>
+              <a:t> (u11026953) – GitHub organization, API Documentation, Hosting environment, Continuous Integration and API implementation</a:t>
             </a:r>
           </a:p>
           <a:p>
@@ -6747,28 +6775,7 @@
             </a:r>
             <a:r>
               <a:rPr lang="en-ZA" dirty="0" smtClean="0"/>
-              <a:t> (u10068083) – Server display, Server feedback, Database functions</a:t>
-            </a:r>
-          </a:p>
-          <a:p>
-            <a:pPr marL="0" indent="0">
-              <a:buNone/>
-            </a:pPr>
-            <a:r>
-              <a:rPr lang="en-ZA" dirty="0" smtClean="0"/>
-              <a:t>Reinhardt </a:t>
-            </a:r>
-            <a:r>
-              <a:rPr lang="en-ZA" dirty="0" err="1" smtClean="0"/>
-              <a:t>Eiselen</a:t>
-            </a:r>
-            <a:r>
-              <a:rPr lang="en-ZA" dirty="0"/>
-              <a:t> </a:t>
-            </a:r>
-            <a:r>
-              <a:rPr lang="en-ZA" dirty="0" smtClean="0"/>
-              <a:t>(u14043302) – Code modulation, Landing page, Unit Testing, Integration Testing </a:t>
+              <a:t> (u10068083) – Website Design, Website CRUD, Server CRUD, Server testing and Project board</a:t>
             </a:r>
           </a:p>
           <a:p>
@@ -6789,7 +6796,15 @@
             </a:r>
             <a:r>
               <a:rPr lang="en-ZA" dirty="0" smtClean="0"/>
-              <a:t> (u14309999) – Database triggers, Server testing, Code review</a:t>
+              <a:t> (u14309999) – Database triggers</a:t>
+            </a:r>
+            <a:r>
+              <a:rPr lang="en-ZA" dirty="0" smtClean="0"/>
+              <a:t>, Website CRUD, </a:t>
+            </a:r>
+            <a:r>
+              <a:rPr lang="en-ZA" dirty="0" smtClean="0"/>
+              <a:t>Server testing, Code review and Quality Standards</a:t>
             </a:r>
           </a:p>
           <a:p>
@@ -6798,7 +6813,11 @@
             </a:pPr>
             <a:r>
               <a:rPr lang="en-ZA" dirty="0" smtClean="0"/>
-              <a:t>Ryan Hartley (u15016880) – Database schema, Database testing, Admin, Integration Testing</a:t>
+              <a:t>Ryan Hartley (u15016880) – Database schema, Database testing, Administration, Integration </a:t>
+            </a:r>
+            <a:r>
+              <a:rPr lang="en-ZA" dirty="0" smtClean="0"/>
+              <a:t>Testing and Quality Standards</a:t>
             </a:r>
             <a:endParaRPr lang="en-ZA" dirty="0"/>
           </a:p>
@@ -7164,19 +7183,7 @@
             </a:pPr>
             <a:r>
               <a:rPr lang="en-ZA" dirty="0" smtClean="0"/>
-              <a:t>There is a master folder for which the </a:t>
-            </a:r>
-            <a:r>
-              <a:rPr lang="en-ZA" dirty="0" smtClean="0"/>
-              <a:t>completed, working </a:t>
-            </a:r>
-            <a:r>
-              <a:rPr lang="en-ZA" dirty="0" smtClean="0"/>
-              <a:t>aspects of the project appear</a:t>
-            </a:r>
-            <a:r>
-              <a:rPr lang="en-ZA" dirty="0" smtClean="0"/>
-              <a:t>.</a:t>
+              <a:t>There is a master folder for which the completed, working aspects of the project appear.</a:t>
             </a:r>
           </a:p>
           <a:p>
@@ -7194,11 +7201,7 @@
             </a:pPr>
             <a:r>
               <a:rPr lang="en-ZA" dirty="0" smtClean="0"/>
-              <a:t>Each element was worked on in a separate branch, before being merged into the stagin</a:t>
-            </a:r>
-            <a:r>
-              <a:rPr lang="en-ZA" dirty="0" smtClean="0"/>
-              <a:t>g branch.</a:t>
+              <a:t>Each element was worked on in a separate branch, before being merged into the staging branch.</a:t>
             </a:r>
             <a:endParaRPr lang="en-ZA" dirty="0"/>
           </a:p>
@@ -7631,27 +7634,7 @@
           <a:p>
             <a:r>
               <a:rPr lang="en-ZA" dirty="0" smtClean="0"/>
-              <a:t>Integration between the </a:t>
-            </a:r>
-            <a:r>
-              <a:rPr lang="en-ZA" dirty="0" smtClean="0"/>
-              <a:t>CIS, </a:t>
-            </a:r>
-            <a:r>
-              <a:rPr lang="en-ZA" dirty="0" smtClean="0"/>
-              <a:t>CA</a:t>
-            </a:r>
-            <a:r>
-              <a:rPr lang="en-ZA" dirty="0" smtClean="0"/>
-              <a:t>S</a:t>
-            </a:r>
-            <a:r>
-              <a:rPr lang="en-ZA" dirty="0" smtClean="0"/>
-              <a:t>, Facial recognition system and </a:t>
-            </a:r>
-            <a:r>
-              <a:rPr lang="en-ZA" dirty="0" smtClean="0"/>
-              <a:t>Card(authentication system).</a:t>
+              <a:t>Integration between the CIS, CAS, Facial recognition system and Card(authentication system).</a:t>
             </a:r>
             <a:endParaRPr lang="en-ZA" dirty="0"/>
           </a:p>

--- a/Presentation/Merlot Client Information System.pptx
+++ b/Presentation/Merlot Client Information System.pptx
@@ -5,7 +5,7 @@
     <p:sldMasterId id="2147483648" r:id="rId1"/>
   </p:sldMasterIdLst>
   <p:notesMasterIdLst>
-    <p:notesMasterId r:id="rId12"/>
+    <p:notesMasterId r:id="rId14"/>
   </p:notesMasterIdLst>
   <p:sldIdLst>
     <p:sldId id="258" r:id="rId2"/>
@@ -18,6 +18,8 @@
     <p:sldId id="269" r:id="rId9"/>
     <p:sldId id="271" r:id="rId10"/>
     <p:sldId id="272" r:id="rId11"/>
+    <p:sldId id="273" r:id="rId12"/>
+    <p:sldId id="274" r:id="rId13"/>
   </p:sldIdLst>
   <p:sldSz cx="12192000" cy="6858000"/>
   <p:notesSz cx="6858000" cy="9144000"/>
@@ -6644,6 +6646,256 @@
 </p:sld>
 </file>
 
+<file path=ppt/slides/slide11.xml><?xml version="1.0" encoding="utf-8"?>
+<p:sld xmlns:a="http://schemas.openxmlformats.org/drawingml/2006/main" xmlns:r="http://schemas.openxmlformats.org/officeDocument/2006/relationships" xmlns:p="http://schemas.openxmlformats.org/presentationml/2006/main">
+  <p:cSld>
+    <p:spTree>
+      <p:nvGrpSpPr>
+        <p:cNvPr id="1" name=""/>
+        <p:cNvGrpSpPr/>
+        <p:nvPr/>
+      </p:nvGrpSpPr>
+      <p:grpSpPr>
+        <a:xfrm>
+          <a:off x="0" y="0"/>
+          <a:ext cx="0" cy="0"/>
+          <a:chOff x="0" y="0"/>
+          <a:chExt cx="0" cy="0"/>
+        </a:xfrm>
+      </p:grpSpPr>
+      <p:sp>
+        <p:nvSpPr>
+          <p:cNvPr id="2" name="Title 1"/>
+          <p:cNvSpPr>
+            <a:spLocks noGrp="1"/>
+          </p:cNvSpPr>
+          <p:nvPr>
+            <p:ph type="title"/>
+          </p:nvPr>
+        </p:nvSpPr>
+        <p:spPr/>
+        <p:txBody>
+          <a:bodyPr/>
+          <a:lstStyle/>
+          <a:p>
+            <a:r>
+              <a:rPr lang="en-ZA" dirty="0" smtClean="0"/>
+              <a:t>Continuous Integration:</a:t>
+            </a:r>
+            <a:endParaRPr lang="en-ZA" dirty="0"/>
+          </a:p>
+        </p:txBody>
+      </p:sp>
+      <p:sp>
+        <p:nvSpPr>
+          <p:cNvPr id="3" name="Content Placeholder 2"/>
+          <p:cNvSpPr>
+            <a:spLocks noGrp="1"/>
+          </p:cNvSpPr>
+          <p:nvPr>
+            <p:ph idx="1"/>
+          </p:nvPr>
+        </p:nvSpPr>
+        <p:spPr/>
+        <p:txBody>
+          <a:bodyPr/>
+          <a:lstStyle/>
+          <a:p>
+            <a:r>
+              <a:rPr lang="en-ZA" dirty="0" smtClean="0"/>
+              <a:t>Travis CI: Pull Requests tests</a:t>
+            </a:r>
+          </a:p>
+          <a:p>
+            <a:endParaRPr lang="en-ZA" dirty="0"/>
+          </a:p>
+        </p:txBody>
+      </p:sp>
+      <p:sp>
+        <p:nvSpPr>
+          <p:cNvPr id="4" name="Slide Number Placeholder 3"/>
+          <p:cNvSpPr>
+            <a:spLocks noGrp="1"/>
+          </p:cNvSpPr>
+          <p:nvPr>
+            <p:ph type="sldNum" sz="quarter" idx="12"/>
+          </p:nvPr>
+        </p:nvSpPr>
+        <p:spPr/>
+        <p:txBody>
+          <a:bodyPr/>
+          <a:lstStyle/>
+          <a:p>
+            <a:fld id="{D57F1E4F-1CFF-5643-939E-02111984F565}" type="slidenum">
+              <a:rPr lang="en-US" smtClean="0"/>
+              <a:t>11</a:t>
+            </a:fld>
+            <a:endParaRPr lang="en-US" dirty="0"/>
+          </a:p>
+        </p:txBody>
+      </p:sp>
+      <p:pic>
+        <p:nvPicPr>
+          <p:cNvPr id="5" name="Picture 4"/>
+          <p:cNvPicPr>
+            <a:picLocks noChangeAspect="1"/>
+          </p:cNvPicPr>
+          <p:nvPr/>
+        </p:nvPicPr>
+        <p:blipFill>
+          <a:blip r:embed="rId2"/>
+          <a:stretch>
+            <a:fillRect/>
+          </a:stretch>
+        </p:blipFill>
+        <p:spPr>
+          <a:xfrm>
+            <a:off x="1305443" y="2791325"/>
+            <a:ext cx="7199957" cy="3311091"/>
+          </a:xfrm>
+          <a:prstGeom prst="rect">
+            <a:avLst/>
+          </a:prstGeom>
+        </p:spPr>
+      </p:pic>
+    </p:spTree>
+    <p:extLst>
+      <p:ext uri="{BB962C8B-B14F-4D97-AF65-F5344CB8AC3E}">
+        <p14:creationId xmlns:p14="http://schemas.microsoft.com/office/powerpoint/2010/main" val="2985122299"/>
+      </p:ext>
+    </p:extLst>
+  </p:cSld>
+  <p:clrMapOvr>
+    <a:masterClrMapping/>
+  </p:clrMapOvr>
+</p:sld>
+</file>
+
+<file path=ppt/slides/slide12.xml><?xml version="1.0" encoding="utf-8"?>
+<p:sld xmlns:a="http://schemas.openxmlformats.org/drawingml/2006/main" xmlns:r="http://schemas.openxmlformats.org/officeDocument/2006/relationships" xmlns:p="http://schemas.openxmlformats.org/presentationml/2006/main">
+  <p:cSld>
+    <p:spTree>
+      <p:nvGrpSpPr>
+        <p:cNvPr id="1" name=""/>
+        <p:cNvGrpSpPr/>
+        <p:nvPr/>
+      </p:nvGrpSpPr>
+      <p:grpSpPr>
+        <a:xfrm>
+          <a:off x="0" y="0"/>
+          <a:ext cx="0" cy="0"/>
+          <a:chOff x="0" y="0"/>
+          <a:chExt cx="0" cy="0"/>
+        </a:xfrm>
+      </p:grpSpPr>
+      <p:sp>
+        <p:nvSpPr>
+          <p:cNvPr id="2" name="Title 1"/>
+          <p:cNvSpPr>
+            <a:spLocks noGrp="1"/>
+          </p:cNvSpPr>
+          <p:nvPr>
+            <p:ph type="title"/>
+          </p:nvPr>
+        </p:nvSpPr>
+        <p:spPr/>
+        <p:txBody>
+          <a:bodyPr/>
+          <a:lstStyle/>
+          <a:p>
+            <a:r>
+              <a:rPr lang="en-ZA" dirty="0" smtClean="0"/>
+              <a:t>Continuous Integration:</a:t>
+            </a:r>
+            <a:endParaRPr lang="en-ZA" dirty="0"/>
+          </a:p>
+        </p:txBody>
+      </p:sp>
+      <p:sp>
+        <p:nvSpPr>
+          <p:cNvPr id="3" name="Content Placeholder 2"/>
+          <p:cNvSpPr>
+            <a:spLocks noGrp="1"/>
+          </p:cNvSpPr>
+          <p:nvPr>
+            <p:ph idx="1"/>
+          </p:nvPr>
+        </p:nvSpPr>
+        <p:spPr/>
+        <p:txBody>
+          <a:bodyPr/>
+          <a:lstStyle/>
+          <a:p>
+            <a:r>
+              <a:rPr lang="en-ZA" dirty="0" smtClean="0"/>
+              <a:t>Travis CI: Branch tests</a:t>
+            </a:r>
+          </a:p>
+          <a:p>
+            <a:endParaRPr lang="en-ZA" dirty="0"/>
+          </a:p>
+        </p:txBody>
+      </p:sp>
+      <p:sp>
+        <p:nvSpPr>
+          <p:cNvPr id="4" name="Slide Number Placeholder 3"/>
+          <p:cNvSpPr>
+            <a:spLocks noGrp="1"/>
+          </p:cNvSpPr>
+          <p:nvPr>
+            <p:ph type="sldNum" sz="quarter" idx="12"/>
+          </p:nvPr>
+        </p:nvSpPr>
+        <p:spPr/>
+        <p:txBody>
+          <a:bodyPr/>
+          <a:lstStyle/>
+          <a:p>
+            <a:fld id="{D57F1E4F-1CFF-5643-939E-02111984F565}" type="slidenum">
+              <a:rPr lang="en-US" smtClean="0"/>
+              <a:t>12</a:t>
+            </a:fld>
+            <a:endParaRPr lang="en-US" dirty="0"/>
+          </a:p>
+        </p:txBody>
+      </p:sp>
+      <p:pic>
+        <p:nvPicPr>
+          <p:cNvPr id="6" name="Picture 5"/>
+          <p:cNvPicPr>
+            <a:picLocks noChangeAspect="1"/>
+          </p:cNvPicPr>
+          <p:nvPr/>
+        </p:nvPicPr>
+        <p:blipFill>
+          <a:blip r:embed="rId2"/>
+          <a:stretch>
+            <a:fillRect/>
+          </a:stretch>
+        </p:blipFill>
+        <p:spPr>
+          <a:xfrm>
+            <a:off x="1276566" y="2601931"/>
+            <a:ext cx="6876031" cy="3959499"/>
+          </a:xfrm>
+          <a:prstGeom prst="rect">
+            <a:avLst/>
+          </a:prstGeom>
+        </p:spPr>
+      </p:pic>
+    </p:spTree>
+    <p:extLst>
+      <p:ext uri="{BB962C8B-B14F-4D97-AF65-F5344CB8AC3E}">
+        <p14:creationId xmlns:p14="http://schemas.microsoft.com/office/powerpoint/2010/main" val="3022700394"/>
+      </p:ext>
+    </p:extLst>
+  </p:cSld>
+  <p:clrMapOvr>
+    <a:masterClrMapping/>
+  </p:clrMapOvr>
+</p:sld>
+</file>
+
 <file path=ppt/slides/slide2.xml><?xml version="1.0" encoding="utf-8"?>
 <p:sld xmlns:a="http://schemas.openxmlformats.org/drawingml/2006/main" xmlns:r="http://schemas.openxmlformats.org/officeDocument/2006/relationships" xmlns:p="http://schemas.openxmlformats.org/presentationml/2006/main">
   <p:cSld>
@@ -6796,28 +7048,16 @@
             </a:r>
             <a:r>
               <a:rPr lang="en-ZA" dirty="0" smtClean="0"/>
-              <a:t> (u14309999) – Database triggers</a:t>
-            </a:r>
+              <a:t> (u14309999) – Database triggers, Website CRUD, Server testing, Code review and Quality Standards</a:t>
+            </a:r>
+          </a:p>
+          <a:p>
+            <a:pPr marL="0" indent="0">
+              <a:buNone/>
+            </a:pPr>
             <a:r>
               <a:rPr lang="en-ZA" dirty="0" smtClean="0"/>
-              <a:t>, Website CRUD, </a:t>
-            </a:r>
-            <a:r>
-              <a:rPr lang="en-ZA" dirty="0" smtClean="0"/>
-              <a:t>Server testing, Code review and Quality Standards</a:t>
-            </a:r>
-          </a:p>
-          <a:p>
-            <a:pPr marL="0" indent="0">
-              <a:buNone/>
-            </a:pPr>
-            <a:r>
-              <a:rPr lang="en-ZA" dirty="0" smtClean="0"/>
-              <a:t>Ryan Hartley (u15016880) – Database schema, Database testing, Administration, Integration </a:t>
-            </a:r>
-            <a:r>
-              <a:rPr lang="en-ZA" dirty="0" smtClean="0"/>
-              <a:t>Testing and Quality Standards</a:t>
+              <a:t>Ryan Hartley (u15016880) – Database schema, Database testing, Administration, Integration Testing and Quality Standards</a:t>
             </a:r>
             <a:endParaRPr lang="en-ZA" dirty="0"/>
           </a:p>
